--- a/DeepSeaCoral.pptx
+++ b/DeepSeaCoral.pptx
@@ -12,11 +12,12 @@
     <p:sldId id="264" r:id="rId6"/>
     <p:sldId id="259" r:id="rId7"/>
     <p:sldId id="260" r:id="rId8"/>
-    <p:sldId id="263" r:id="rId9"/>
-    <p:sldId id="261" r:id="rId10"/>
-    <p:sldId id="262" r:id="rId11"/>
-    <p:sldId id="267" r:id="rId12"/>
-    <p:sldId id="265" r:id="rId13"/>
+    <p:sldId id="268" r:id="rId9"/>
+    <p:sldId id="263" r:id="rId10"/>
+    <p:sldId id="261" r:id="rId11"/>
+    <p:sldId id="262" r:id="rId12"/>
+    <p:sldId id="267" r:id="rId13"/>
+    <p:sldId id="265" r:id="rId14"/>
   </p:sldIdLst>
   <p:sldSz cx="9144000" cy="6858000" type="screen4x3"/>
   <p:notesSz cx="6858000" cy="9144000"/>
@@ -489,7 +490,7 @@
           <a:p>
             <a:fld id="{B1115196-1C6F-4784-83AC-30756D8F10B3}" type="datetimeFigureOut">
               <a:rPr lang="en-US" smtClean="0"/>
-              <a:t>18/3/17</a:t>
+              <a:t>18/3/22</a:t>
             </a:fld>
             <a:endParaRPr lang="en-US"/>
           </a:p>
@@ -918,7 +919,7 @@
           <a:p>
             <a:fld id="{B1115196-1C6F-4784-83AC-30756D8F10B3}" type="datetimeFigureOut">
               <a:rPr lang="en-US" smtClean="0"/>
-              <a:t>18/3/17</a:t>
+              <a:t>18/3/22</a:t>
             </a:fld>
             <a:endParaRPr lang="en-US"/>
           </a:p>
@@ -1123,7 +1124,7 @@
           <a:p>
             <a:fld id="{B1115196-1C6F-4784-83AC-30756D8F10B3}" type="datetimeFigureOut">
               <a:rPr lang="en-US" smtClean="0"/>
-              <a:t>18/3/17</a:t>
+              <a:t>18/3/22</a:t>
             </a:fld>
             <a:endParaRPr lang="en-US"/>
           </a:p>
@@ -1394,7 +1395,7 @@
           <a:p>
             <a:fld id="{B1115196-1C6F-4784-83AC-30756D8F10B3}" type="datetimeFigureOut">
               <a:rPr lang="en-US" smtClean="0"/>
-              <a:t>18/3/17</a:t>
+              <a:t>18/3/22</a:t>
             </a:fld>
             <a:endParaRPr lang="en-US"/>
           </a:p>
@@ -1675,7 +1676,7 @@
           <a:p>
             <a:fld id="{B1115196-1C6F-4784-83AC-30756D8F10B3}" type="datetimeFigureOut">
               <a:rPr lang="en-US" smtClean="0"/>
-              <a:t>18/3/17</a:t>
+              <a:t>18/3/22</a:t>
             </a:fld>
             <a:endParaRPr lang="en-US"/>
           </a:p>
@@ -1910,7 +1911,7 @@
           <a:p>
             <a:fld id="{B1115196-1C6F-4784-83AC-30756D8F10B3}" type="datetimeFigureOut">
               <a:rPr lang="en-US" smtClean="0"/>
-              <a:t>18/3/17</a:t>
+              <a:t>18/3/22</a:t>
             </a:fld>
             <a:endParaRPr lang="en-US"/>
           </a:p>
@@ -2191,7 +2192,7 @@
           <a:p>
             <a:fld id="{B1115196-1C6F-4784-83AC-30756D8F10B3}" type="datetimeFigureOut">
               <a:rPr lang="en-US" smtClean="0"/>
-              <a:t>18/3/17</a:t>
+              <a:t>18/3/22</a:t>
             </a:fld>
             <a:endParaRPr lang="en-US"/>
           </a:p>
@@ -2618,7 +2619,7 @@
           <a:p>
             <a:fld id="{B1115196-1C6F-4784-83AC-30756D8F10B3}" type="datetimeFigureOut">
               <a:rPr lang="en-US" smtClean="0"/>
-              <a:t>18/3/17</a:t>
+              <a:t>18/3/22</a:t>
             </a:fld>
             <a:endParaRPr lang="en-US"/>
           </a:p>
@@ -3141,7 +3142,7 @@
           <a:p>
             <a:fld id="{B1115196-1C6F-4784-83AC-30756D8F10B3}" type="datetimeFigureOut">
               <a:rPr lang="en-US" smtClean="0"/>
-              <a:t>18/3/17</a:t>
+              <a:t>18/3/22</a:t>
             </a:fld>
             <a:endParaRPr lang="en-US"/>
           </a:p>
@@ -3503,7 +3504,7 @@
           <a:p>
             <a:fld id="{B1115196-1C6F-4784-83AC-30756D8F10B3}" type="datetimeFigureOut">
               <a:rPr lang="en-US" smtClean="0"/>
-              <a:t>18/3/17</a:t>
+              <a:t>18/3/22</a:t>
             </a:fld>
             <a:endParaRPr lang="en-US"/>
           </a:p>
@@ -4059,7 +4060,7 @@
           <a:p>
             <a:fld id="{B1115196-1C6F-4784-83AC-30756D8F10B3}" type="datetimeFigureOut">
               <a:rPr lang="en-US" smtClean="0"/>
-              <a:t>18/3/17</a:t>
+              <a:t>18/3/22</a:t>
             </a:fld>
             <a:endParaRPr lang="en-US"/>
           </a:p>
@@ -4284,7 +4285,7 @@
           <a:p>
             <a:fld id="{B1115196-1C6F-4784-83AC-30756D8F10B3}" type="datetimeFigureOut">
               <a:rPr lang="en-US" smtClean="0"/>
-              <a:t>18/3/17</a:t>
+              <a:t>18/3/22</a:t>
             </a:fld>
             <a:endParaRPr lang="en-US"/>
           </a:p>
@@ -4430,7 +4431,7 @@
           <a:p>
             <a:fld id="{B1115196-1C6F-4784-83AC-30756D8F10B3}" type="datetimeFigureOut">
               <a:rPr lang="en-US" smtClean="0"/>
-              <a:t>18/3/17</a:t>
+              <a:t>18/3/22</a:t>
             </a:fld>
             <a:endParaRPr lang="en-US"/>
           </a:p>
@@ -4895,7 +4896,7 @@
           <a:p>
             <a:fld id="{B1115196-1C6F-4784-83AC-30756D8F10B3}" type="datetimeFigureOut">
               <a:rPr lang="en-US" smtClean="0"/>
-              <a:t>18/3/17</a:t>
+              <a:t>18/3/22</a:t>
             </a:fld>
             <a:endParaRPr lang="en-US"/>
           </a:p>
@@ -5117,7 +5118,7 @@
           <a:p>
             <a:fld id="{B1115196-1C6F-4784-83AC-30756D8F10B3}" type="datetimeFigureOut">
               <a:rPr lang="en-US" smtClean="0"/>
-              <a:t>18/3/17</a:t>
+              <a:t>18/3/22</a:t>
             </a:fld>
             <a:endParaRPr lang="en-US"/>
           </a:p>
@@ -5588,11 +5589,7 @@
             </a:r>
             <a:r>
               <a:rPr lang="en-US" altLang="zh-CN" b="1" dirty="0"/>
-              <a:t>. </a:t>
-            </a:r>
-            <a:r>
-              <a:rPr lang="en-US" altLang="zh-CN" b="1" dirty="0"/>
-              <a:t>West Coast </a:t>
+              <a:t>. West Coast </a:t>
             </a:r>
           </a:p>
         </p:txBody>
@@ -5706,7 +5703,7 @@
           <a:p>
             <a:r>
               <a:rPr kumimoji="1" lang="en-US" altLang="zh-CN" dirty="0" smtClean="0"/>
-              <a:t>Acceptance Criteria</a:t>
+              <a:t>Milestones So Far</a:t>
             </a:r>
             <a:endParaRPr kumimoji="1" lang="zh-CN" altLang="en-US" dirty="0"/>
           </a:p>
@@ -5720,6 +5717,328 @@
           </p:cNvSpPr>
           <p:nvPr>
             <p:ph idx="1"/>
+          </p:nvPr>
+        </p:nvSpPr>
+        <p:spPr>
+          <a:xfrm>
+            <a:off x="779463" y="1949824"/>
+            <a:ext cx="7583488" cy="3754841"/>
+          </a:xfrm>
+        </p:spPr>
+        <p:txBody>
+          <a:bodyPr>
+            <a:normAutofit fontScale="92500" lnSpcReduction="10000"/>
+          </a:bodyPr>
+          <a:lstStyle/>
+          <a:p>
+            <a:r>
+              <a:rPr kumimoji="1" lang="en-US" altLang="zh-CN" dirty="0" smtClean="0"/>
+              <a:t>Data</a:t>
+            </a:r>
+            <a:r>
+              <a:rPr kumimoji="1" lang="zh-CN" altLang="en-US" dirty="0" smtClean="0"/>
+              <a:t> </a:t>
+            </a:r>
+            <a:r>
+              <a:rPr kumimoji="1" lang="en-US" altLang="zh-CN" dirty="0" smtClean="0"/>
+              <a:t>Processing:</a:t>
+            </a:r>
+            <a:r>
+              <a:rPr kumimoji="1" lang="zh-CN" altLang="en-US" dirty="0" smtClean="0"/>
+              <a:t> </a:t>
+            </a:r>
+            <a:r>
+              <a:rPr kumimoji="1" lang="en-US" altLang="zh-CN" dirty="0" smtClean="0"/>
+              <a:t>Process row data and concatenate two data files using location information(latitude, longitude and depth). </a:t>
+            </a:r>
+            <a:r>
+              <a:rPr kumimoji="1" lang="en-US" altLang="zh-CN" sz="1600" dirty="0" smtClean="0">
+                <a:latin typeface="Avenir Oblique"/>
+                <a:cs typeface="Avenir Oblique"/>
+              </a:rPr>
+              <a:t>Relative </a:t>
+            </a:r>
+            <a:r>
+              <a:rPr kumimoji="1" lang="en-US" altLang="zh-CN" sz="1600" dirty="0" err="1" smtClean="0">
+                <a:latin typeface="Avenir Oblique"/>
+                <a:cs typeface="Avenir Oblique"/>
+              </a:rPr>
+              <a:t>algos</a:t>
+            </a:r>
+            <a:r>
+              <a:rPr kumimoji="1" lang="en-US" altLang="zh-CN" sz="1600" dirty="0" smtClean="0">
+                <a:latin typeface="Avenir Oblique"/>
+                <a:cs typeface="Avenir Oblique"/>
+              </a:rPr>
+              <a:t>: </a:t>
+            </a:r>
+            <a:r>
+              <a:rPr kumimoji="1" lang="en-US" altLang="zh-CN" sz="1600" dirty="0" err="1" smtClean="0">
+                <a:latin typeface="Avenir Oblique"/>
+                <a:cs typeface="Avenir Oblique"/>
+              </a:rPr>
+              <a:t>RandomForestRegressor</a:t>
+            </a:r>
+            <a:r>
+              <a:rPr kumimoji="1" lang="en-US" altLang="zh-CN" sz="1600" dirty="0" smtClean="0">
+                <a:latin typeface="Avenir Oblique"/>
+                <a:cs typeface="Avenir Oblique"/>
+              </a:rPr>
+              <a:t>, K-means, </a:t>
+            </a:r>
+            <a:r>
+              <a:rPr kumimoji="1" lang="en-US" altLang="zh-CN" sz="1600" dirty="0">
+                <a:latin typeface="Avenir Oblique"/>
+                <a:cs typeface="Avenir Oblique"/>
+              </a:rPr>
+              <a:t>Hierarchical clustering, </a:t>
+            </a:r>
+            <a:r>
+              <a:rPr kumimoji="1" lang="en-US" altLang="zh-CN" sz="1600" dirty="0" err="1">
+                <a:latin typeface="Avenir Oblique"/>
+                <a:cs typeface="Avenir Oblique"/>
+              </a:rPr>
+              <a:t>IsolationForest</a:t>
+            </a:r>
+            <a:r>
+              <a:rPr kumimoji="1" lang="en-US" altLang="zh-CN" sz="1600" dirty="0">
+                <a:latin typeface="Avenir Oblique"/>
+                <a:cs typeface="Avenir Oblique"/>
+              </a:rPr>
+              <a:t>, </a:t>
+            </a:r>
+            <a:r>
+              <a:rPr kumimoji="1" lang="en-US" altLang="zh-CN" sz="1600" dirty="0" err="1" smtClean="0">
+                <a:latin typeface="Avenir Oblique"/>
+                <a:cs typeface="Avenir Oblique"/>
+              </a:rPr>
+              <a:t>LocalOutlierFactor</a:t>
+            </a:r>
+            <a:endParaRPr kumimoji="1" lang="en-US" altLang="zh-CN" sz="1600" dirty="0" smtClean="0">
+              <a:latin typeface="Avenir Oblique"/>
+              <a:cs typeface="Avenir Oblique"/>
+            </a:endParaRPr>
+          </a:p>
+          <a:p>
+            <a:r>
+              <a:rPr kumimoji="1" lang="en-US" altLang="zh-CN" dirty="0" smtClean="0"/>
+              <a:t>Preliminary Model:  </a:t>
+            </a:r>
+          </a:p>
+          <a:p>
+            <a:pPr>
+              <a:buFont typeface="Symbol" charset="0"/>
+              <a:buChar char=""/>
+            </a:pPr>
+            <a:r>
+              <a:rPr kumimoji="1" lang="en-US" altLang="zh-CN" sz="1600" dirty="0" smtClean="0">
+                <a:latin typeface="Avenir Oblique"/>
+                <a:cs typeface="Avenir Oblique"/>
+              </a:rPr>
+              <a:t>Multiclass SVM: Pro- straightforward, fast, always find global minimum; Con- hard to play with kernel trick</a:t>
+            </a:r>
+          </a:p>
+          <a:p>
+            <a:pPr>
+              <a:buFont typeface="Symbol" charset="0"/>
+              <a:buChar char=""/>
+            </a:pPr>
+            <a:r>
+              <a:rPr kumimoji="1" lang="en-US" altLang="zh-CN" sz="1600" dirty="0" err="1" smtClean="0">
+                <a:latin typeface="Avenir Oblique"/>
+                <a:cs typeface="Avenir Oblique"/>
+              </a:rPr>
+              <a:t>Softmax</a:t>
+            </a:r>
+            <a:r>
+              <a:rPr kumimoji="1" lang="en-US" altLang="zh-CN" sz="1600" dirty="0" smtClean="0">
+                <a:latin typeface="Avenir Oblique"/>
+                <a:cs typeface="Avenir Oblique"/>
+              </a:rPr>
+              <a:t> </a:t>
+            </a:r>
+            <a:r>
+              <a:rPr kumimoji="1" lang="en-US" altLang="zh-CN" sz="1600" dirty="0">
+                <a:latin typeface="Avenir Oblique"/>
+                <a:cs typeface="Avenir Oblique"/>
+              </a:rPr>
+              <a:t>Classifier</a:t>
+            </a:r>
+            <a:r>
+              <a:rPr kumimoji="1" lang="en-US" altLang="zh-CN" sz="1600" dirty="0" smtClean="0">
+                <a:latin typeface="Avenir Oblique"/>
+                <a:cs typeface="Avenir Oblique"/>
+              </a:rPr>
+              <a:t>: Pro- probability on all classes; Con- might be bogged if dataset is too complex</a:t>
+            </a:r>
+            <a:endParaRPr kumimoji="1" lang="en-US" altLang="zh-CN" sz="1600" dirty="0">
+              <a:latin typeface="Avenir Oblique"/>
+              <a:cs typeface="Avenir Oblique"/>
+            </a:endParaRPr>
+          </a:p>
+          <a:p>
+            <a:pPr>
+              <a:buFont typeface="Symbol" charset="0"/>
+              <a:buChar char=""/>
+            </a:pPr>
+            <a:r>
+              <a:rPr kumimoji="1" lang="en-US" altLang="zh-CN" sz="1600" dirty="0">
+                <a:latin typeface="Avenir Oblique"/>
+                <a:cs typeface="Avenir Oblique"/>
+              </a:rPr>
+              <a:t>Neural </a:t>
+            </a:r>
+            <a:r>
+              <a:rPr kumimoji="1" lang="en-US" altLang="zh-CN" sz="1600" dirty="0" smtClean="0">
+                <a:latin typeface="Avenir Oblique"/>
+                <a:cs typeface="Avenir Oblique"/>
+              </a:rPr>
+              <a:t>Network: Pro- control dimensionality of features; Con- </a:t>
+            </a:r>
+            <a:r>
+              <a:rPr kumimoji="1" lang="en-US" altLang="zh-CN" sz="1600" dirty="0">
+                <a:latin typeface="Avenir Oblique"/>
+                <a:cs typeface="Avenir Oblique"/>
+              </a:rPr>
+              <a:t>suffer from the existence of multiple local minima </a:t>
+            </a:r>
+            <a:r>
+              <a:rPr kumimoji="1" lang="en-US" altLang="zh-CN" sz="1600" dirty="0" smtClean="0">
+                <a:latin typeface="Avenir Oblique"/>
+                <a:cs typeface="Avenir Oblique"/>
+              </a:rPr>
+              <a:t>solutions, hard to tune</a:t>
+            </a:r>
+            <a:endParaRPr kumimoji="1" lang="en-US" altLang="zh-CN" sz="1600" dirty="0">
+              <a:latin typeface="Avenir Oblique"/>
+              <a:cs typeface="Avenir Oblique"/>
+            </a:endParaRPr>
+          </a:p>
+          <a:p>
+            <a:pPr marL="0" indent="0">
+              <a:buNone/>
+            </a:pPr>
+            <a:endParaRPr kumimoji="1" lang="en-US" altLang="zh-CN" dirty="0" smtClean="0"/>
+          </a:p>
+          <a:p>
+            <a:pPr marL="0" indent="0">
+              <a:buNone/>
+            </a:pPr>
+            <a:endParaRPr kumimoji="1" lang="en-US" altLang="zh-CN" dirty="0" smtClean="0"/>
+          </a:p>
+          <a:p>
+            <a:pPr marL="0" indent="0">
+              <a:buNone/>
+            </a:pPr>
+            <a:endParaRPr kumimoji="1" lang="zh-CN" altLang="en-US" dirty="0"/>
+          </a:p>
+        </p:txBody>
+      </p:sp>
+      <p:pic>
+        <p:nvPicPr>
+          <p:cNvPr id="7" name="图片 6" descr="123.jpeg"/>
+          <p:cNvPicPr>
+            <a:picLocks noChangeAspect="1"/>
+          </p:cNvPicPr>
+          <p:nvPr/>
+        </p:nvPicPr>
+        <p:blipFill>
+          <a:blip r:embed="rId2">
+            <a:extLst>
+              <a:ext uri="{28A0092B-C50C-407E-A947-70E740481C1C}">
+                <a14:useLocalDpi xmlns:a14="http://schemas.microsoft.com/office/drawing/2010/main" val="0"/>
+              </a:ext>
+            </a:extLst>
+          </a:blip>
+          <a:stretch>
+            <a:fillRect/>
+          </a:stretch>
+        </p:blipFill>
+        <p:spPr>
+          <a:xfrm>
+            <a:off x="779463" y="5575690"/>
+            <a:ext cx="3055855" cy="1021880"/>
+          </a:xfrm>
+          <a:prstGeom prst="rect">
+            <a:avLst/>
+          </a:prstGeom>
+        </p:spPr>
+      </p:pic>
+      <p:pic>
+        <p:nvPicPr>
+          <p:cNvPr id="8" name="图片 7" descr="345.jpeg"/>
+          <p:cNvPicPr>
+            <a:picLocks noChangeAspect="1"/>
+          </p:cNvPicPr>
+          <p:nvPr/>
+        </p:nvPicPr>
+        <p:blipFill>
+          <a:blip r:embed="rId3">
+            <a:extLst>
+              <a:ext uri="{28A0092B-C50C-407E-A947-70E740481C1C}">
+                <a14:useLocalDpi xmlns:a14="http://schemas.microsoft.com/office/drawing/2010/main" val="0"/>
+              </a:ext>
+            </a:extLst>
+          </a:blip>
+          <a:stretch>
+            <a:fillRect/>
+          </a:stretch>
+        </p:blipFill>
+        <p:spPr>
+          <a:xfrm>
+            <a:off x="4254501" y="5704665"/>
+            <a:ext cx="3156940" cy="892906"/>
+          </a:xfrm>
+          <a:prstGeom prst="rect">
+            <a:avLst/>
+          </a:prstGeom>
+        </p:spPr>
+      </p:pic>
+    </p:spTree>
+    <p:extLst>
+      <p:ext uri="{BB962C8B-B14F-4D97-AF65-F5344CB8AC3E}">
+        <p14:creationId xmlns:p14="http://schemas.microsoft.com/office/powerpoint/2010/main" val="4023034447"/>
+      </p:ext>
+    </p:extLst>
+  </p:cSld>
+  <p:clrMapOvr>
+    <a:masterClrMapping/>
+  </p:clrMapOvr>
+  <p:timing>
+    <p:tnLst>
+      <p:par>
+        <p:cTn xmlns:p14="http://schemas.microsoft.com/office/powerpoint/2010/main" id="1" dur="indefinite" restart="never" nodeType="tmRoot"/>
+      </p:par>
+    </p:tnLst>
+  </p:timing>
+</p:sld>
+</file>
+
+<file path=ppt/slides/slide11.xml><?xml version="1.0" encoding="utf-8"?>
+<p:sld xmlns:a="http://schemas.openxmlformats.org/drawingml/2006/main" xmlns:r="http://schemas.openxmlformats.org/officeDocument/2006/relationships" xmlns:p="http://schemas.openxmlformats.org/presentationml/2006/main">
+  <p:cSld>
+    <p:spTree>
+      <p:nvGrpSpPr>
+        <p:cNvPr id="1" name=""/>
+        <p:cNvGrpSpPr/>
+        <p:nvPr/>
+      </p:nvGrpSpPr>
+      <p:grpSpPr>
+        <a:xfrm>
+          <a:off x="0" y="0"/>
+          <a:ext cx="0" cy="0"/>
+          <a:chOff x="0" y="0"/>
+          <a:chExt cx="0" cy="0"/>
+        </a:xfrm>
+      </p:grpSpPr>
+      <p:sp>
+        <p:nvSpPr>
+          <p:cNvPr id="2" name="标题 1"/>
+          <p:cNvSpPr>
+            <a:spLocks noGrp="1"/>
+          </p:cNvSpPr>
+          <p:nvPr>
+            <p:ph type="title"/>
           </p:nvPr>
         </p:nvSpPr>
         <p:spPr/>
@@ -5729,8 +6048,36 @@
           <a:p>
             <a:r>
               <a:rPr kumimoji="1" lang="en-US" altLang="zh-CN" dirty="0" smtClean="0"/>
-              <a:t>Accuracy reaches 80%</a:t>
-            </a:r>
+              <a:t>Acceptance Criteria</a:t>
+            </a:r>
+            <a:endParaRPr kumimoji="1" lang="zh-CN" altLang="en-US" dirty="0"/>
+          </a:p>
+        </p:txBody>
+      </p:sp>
+      <p:sp>
+        <p:nvSpPr>
+          <p:cNvPr id="3" name="内容占位符 2"/>
+          <p:cNvSpPr>
+            <a:spLocks noGrp="1"/>
+          </p:cNvSpPr>
+          <p:nvPr>
+            <p:ph idx="1"/>
+          </p:nvPr>
+        </p:nvSpPr>
+        <p:spPr/>
+        <p:txBody>
+          <a:bodyPr/>
+          <a:lstStyle/>
+          <a:p>
+            <a:r>
+              <a:rPr kumimoji="1" lang="en-US" altLang="zh-CN" dirty="0" smtClean="0"/>
+              <a:t>Accuracy reaches 80</a:t>
+            </a:r>
+            <a:r>
+              <a:rPr kumimoji="1" lang="en-US" altLang="zh-CN" dirty="0" smtClean="0"/>
+              <a:t>%</a:t>
+            </a:r>
+            <a:endParaRPr kumimoji="1" lang="en-US" altLang="zh-CN" dirty="0" smtClean="0"/>
           </a:p>
           <a:p>
             <a:endParaRPr kumimoji="1" lang="en-US" altLang="zh-CN" dirty="0" smtClean="0"/>
@@ -5820,7 +6167,7 @@
 </p:sld>
 </file>
 
-<file path=ppt/slides/slide11.xml><?xml version="1.0" encoding="utf-8"?>
+<file path=ppt/slides/slide12.xml><?xml version="1.0" encoding="utf-8"?>
 <p:sld xmlns:a="http://schemas.openxmlformats.org/drawingml/2006/main" xmlns:r="http://schemas.openxmlformats.org/officeDocument/2006/relationships" xmlns:p="http://schemas.openxmlformats.org/presentationml/2006/main">
   <p:cSld>
     <p:spTree>
@@ -5979,11 +6326,7 @@
             </a:r>
             <a:r>
               <a:rPr lang="en-US" altLang="zh-CN" dirty="0"/>
-              <a:t>) </a:t>
-            </a:r>
-            <a:r>
-              <a:rPr lang="en-US" altLang="zh-CN" dirty="0"/>
-              <a:t>Predicted Deep-Sea Coral Habitat Suitability for the U.S. West Coast</a:t>
+              <a:t>) Predicted Deep-Sea Coral Habitat Suitability for the U.S. West Coast</a:t>
             </a:r>
           </a:p>
           <a:p>
@@ -6010,7 +6353,7 @@
 </p:sld>
 </file>
 
-<file path=ppt/slides/slide12.xml><?xml version="1.0" encoding="utf-8"?>
+<file path=ppt/slides/slide13.xml><?xml version="1.0" encoding="utf-8"?>
 <p:sld xmlns:a="http://schemas.openxmlformats.org/drawingml/2006/main" xmlns:r="http://schemas.openxmlformats.org/officeDocument/2006/relationships" xmlns:p="http://schemas.openxmlformats.org/presentationml/2006/main">
   <p:cSld>
     <p:spTree>
@@ -6199,11 +6542,7 @@
             </a:r>
             <a:r>
               <a:rPr lang="en-US" altLang="zh-CN" dirty="0"/>
-              <a:t>may produce chemicals that can be used as new medicines, help us understand climate change and are part of species diversity ecosystem</a:t>
-            </a:r>
-            <a:r>
-              <a:rPr lang="en-US" altLang="zh-CN" dirty="0"/>
-              <a:t> </a:t>
+              <a:t>may produce chemicals that can be used as new medicines, help us understand climate change and are part of species diversity ecosystem </a:t>
             </a:r>
             <a:r>
               <a:rPr lang="en-US" altLang="zh-CN" dirty="0" smtClean="0"/>
@@ -6213,11 +6552,7 @@
           <a:p>
             <a:r>
               <a:rPr lang="en-US" altLang="zh-CN" dirty="0"/>
-              <a:t>Damage from fishing gear, </a:t>
-            </a:r>
-            <a:r>
-              <a:rPr lang="en-US" altLang="zh-CN" dirty="0"/>
-              <a:t>especially equipment that trawls the sea bottom, poses a major threat to deep-sea corals. </a:t>
+              <a:t>Damage from fishing gear, especially equipment that trawls the sea bottom, poses a major threat to deep-sea corals. </a:t>
             </a:r>
             <a:endParaRPr lang="en-US" altLang="zh-CN" dirty="0" smtClean="0"/>
           </a:p>
@@ -6947,7 +7282,11 @@
           <a:p>
             <a:r>
               <a:rPr kumimoji="1" lang="en-US" altLang="zh-CN" dirty="0" smtClean="0"/>
-              <a:t>Data Description</a:t>
+              <a:t>Database </a:t>
+            </a:r>
+            <a:r>
+              <a:rPr kumimoji="1" lang="en-US" altLang="zh-CN" dirty="0" smtClean="0"/>
+              <a:t>Description</a:t>
             </a:r>
             <a:endParaRPr kumimoji="1" lang="zh-CN" altLang="en-US" dirty="0"/>
           </a:p>
@@ -7026,11 +7365,7 @@
             </a:r>
             <a:r>
               <a:rPr lang="en-US" altLang="zh-CN" dirty="0" smtClean="0"/>
-              <a:t>Info</a:t>
-            </a:r>
-            <a:r>
-              <a:rPr lang="en-US" altLang="zh-CN" dirty="0" smtClean="0"/>
-              <a:t>(</a:t>
+              <a:t>Info(</a:t>
             </a:r>
             <a:r>
               <a:rPr lang="en-US" altLang="zh-CN" dirty="0"/>
@@ -7154,27 +7489,7 @@
             </a:r>
             <a:r>
               <a:rPr lang="en-US" altLang="zh-CN" dirty="0" smtClean="0"/>
-              <a:t>Temperature</a:t>
-            </a:r>
-            <a:r>
-              <a:rPr lang="en-US" altLang="zh-CN" dirty="0" smtClean="0"/>
-              <a:t>,</a:t>
-            </a:r>
-            <a:r>
-              <a:rPr lang="en-US" altLang="zh-CN" dirty="0" smtClean="0"/>
-              <a:t> Salinity</a:t>
-            </a:r>
-            <a:r>
-              <a:rPr lang="en-US" altLang="zh-CN" dirty="0" smtClean="0"/>
-              <a:t>,</a:t>
-            </a:r>
-            <a:r>
-              <a:rPr lang="en-US" altLang="zh-CN" dirty="0" smtClean="0"/>
-              <a:t> Oxygen</a:t>
-            </a:r>
-            <a:r>
-              <a:rPr lang="en-US" altLang="zh-CN" dirty="0" smtClean="0"/>
-              <a:t>,</a:t>
+              <a:t>Temperature, Salinity, Oxygen,</a:t>
             </a:r>
             <a:r>
               <a:rPr lang="zh-CN" altLang="en-US" dirty="0" smtClean="0"/>
@@ -7182,15 +7497,7 @@
             </a:r>
             <a:r>
               <a:rPr lang="en-US" altLang="zh-CN" dirty="0" smtClean="0"/>
-              <a:t>and</a:t>
-            </a:r>
-            <a:r>
-              <a:rPr lang="en-US" altLang="zh-CN" dirty="0" smtClean="0"/>
-              <a:t> Phosphat</a:t>
-            </a:r>
-            <a:r>
-              <a:rPr lang="en-US" altLang="zh-CN" dirty="0" smtClean="0"/>
-              <a:t>e,</a:t>
+              <a:t>and Phosphate,</a:t>
             </a:r>
             <a:r>
               <a:rPr lang="zh-CN" altLang="en-US" dirty="0" smtClean="0"/>
@@ -7348,7 +7655,7 @@
           <a:p>
             <a:r>
               <a:rPr kumimoji="1" lang="en-US" altLang="zh-CN" dirty="0" smtClean="0"/>
-              <a:t>Data Sources &amp; Repository</a:t>
+              <a:t>Available Data</a:t>
             </a:r>
             <a:endParaRPr kumimoji="1" lang="zh-CN" altLang="en-US" dirty="0"/>
           </a:p>
@@ -7371,117 +7678,76 @@
           <a:p>
             <a:r>
               <a:rPr kumimoji="1" lang="en-US" altLang="zh-CN" dirty="0" smtClean="0"/>
-              <a:t>Deep-sea </a:t>
+              <a:t>Using latitude</a:t>
             </a:r>
             <a:r>
               <a:rPr kumimoji="1" lang="en-US" altLang="zh-CN" dirty="0"/>
-              <a:t>corals data</a:t>
+              <a:t> </a:t>
             </a:r>
             <a:r>
               <a:rPr kumimoji="1" lang="en-US" altLang="zh-CN" dirty="0" smtClean="0"/>
-              <a:t>: </a:t>
-            </a:r>
-            <a:r>
-              <a:rPr kumimoji="1" lang="en-US" altLang="zh-CN" dirty="0" smtClean="0">
-                <a:hlinkClick r:id="rId2"/>
-              </a:rPr>
-              <a:t>https</a:t>
-            </a:r>
-            <a:r>
-              <a:rPr kumimoji="1" lang="en-US" altLang="zh-CN" dirty="0">
-                <a:hlinkClick r:id="rId2"/>
-              </a:rPr>
-              <a:t>://deepseacoraldata.noaa.gov/website/AGSViewers/DeepSeaCorals/</a:t>
-            </a:r>
-            <a:r>
-              <a:rPr kumimoji="1" lang="en-US" altLang="zh-CN" dirty="0" smtClean="0">
-                <a:hlinkClick r:id="rId2"/>
-              </a:rPr>
-              <a:t>mapSites.htm</a:t>
-            </a:r>
-            <a:endParaRPr kumimoji="1" lang="en-US" altLang="zh-CN" dirty="0" smtClean="0"/>
+              <a:t>and longitude to concatenate two databases</a:t>
+            </a:r>
           </a:p>
           <a:p>
             <a:r>
               <a:rPr kumimoji="1" lang="en-US" altLang="zh-CN" dirty="0" smtClean="0"/>
-              <a:t>Ocean </a:t>
+              <a:t>Build </a:t>
             </a:r>
             <a:r>
               <a:rPr kumimoji="1" lang="en-US" altLang="zh-CN" dirty="0"/>
-              <a:t>environment database</a:t>
-            </a:r>
+              <a:t>relationship between Depth and Salinity, Oxygen and Phosphate</a:t>
+            </a:r>
+          </a:p>
+          <a:p>
             <a:r>
               <a:rPr kumimoji="1" lang="en-US" altLang="zh-CN" dirty="0" smtClean="0"/>
-              <a:t>: </a:t>
-            </a:r>
-            <a:r>
-              <a:rPr kumimoji="1" lang="en-US" altLang="zh-CN" dirty="0" smtClean="0">
-                <a:hlinkClick r:id="rId3"/>
-              </a:rPr>
-              <a:t>https</a:t>
-            </a:r>
-            <a:r>
-              <a:rPr kumimoji="1" lang="en-US" altLang="zh-CN" dirty="0">
-                <a:hlinkClick r:id="rId3"/>
-              </a:rPr>
-              <a:t>://www.nodc.noaa.gov/OC5/SELECT/dbsearch/</a:t>
-            </a:r>
-            <a:r>
-              <a:rPr kumimoji="1" lang="en-US" altLang="zh-CN" dirty="0" smtClean="0">
-                <a:hlinkClick r:id="rId3"/>
-              </a:rPr>
-              <a:t>dbsearch.html</a:t>
-            </a:r>
-            <a:endParaRPr kumimoji="1" lang="en-US" altLang="zh-CN" dirty="0" smtClean="0"/>
-          </a:p>
-          <a:p>
-            <a:r>
-              <a:rPr kumimoji="1" lang="en-US" altLang="zh-CN" dirty="0" err="1" smtClean="0"/>
-              <a:t>Github</a:t>
-            </a:r>
-            <a:r>
-              <a:rPr kumimoji="1" lang="en-US" altLang="zh-CN" dirty="0"/>
-              <a:t>: </a:t>
-            </a:r>
-            <a:r>
-              <a:rPr kumimoji="1" lang="en-US" altLang="zh-CN" dirty="0">
-                <a:hlinkClick r:id="rId4"/>
-              </a:rPr>
-              <a:t>https://github.com/HouHouHouHouHouHou/</a:t>
-            </a:r>
-            <a:r>
-              <a:rPr kumimoji="1" lang="en-US" altLang="zh-CN" dirty="0" smtClean="0">
-                <a:hlinkClick r:id="rId4"/>
-              </a:rPr>
-              <a:t>7390</a:t>
-            </a:r>
-            <a:endParaRPr kumimoji="1" lang="en-US" altLang="zh-CN" dirty="0" smtClean="0"/>
-          </a:p>
-          <a:p>
-            <a:pPr marL="0" indent="0">
-              <a:buNone/>
-            </a:pPr>
-            <a:endParaRPr kumimoji="1" lang="en-US" altLang="zh-CN" dirty="0"/>
-          </a:p>
-        </p:txBody>
-      </p:sp>
+              <a:t>Features: latitude, longitude, depth, salinity, oxygen and phosphate</a:t>
+            </a:r>
+            <a:endParaRPr kumimoji="1" lang="zh-CN" altLang="en-US" dirty="0"/>
+          </a:p>
+        </p:txBody>
+      </p:sp>
+      <p:pic>
+        <p:nvPicPr>
+          <p:cNvPr id="6" name="图片 5" descr="Untitled.jpeg"/>
+          <p:cNvPicPr>
+            <a:picLocks noChangeAspect="1"/>
+          </p:cNvPicPr>
+          <p:nvPr/>
+        </p:nvPicPr>
+        <p:blipFill>
+          <a:blip r:embed="rId2">
+            <a:extLst>
+              <a:ext uri="{28A0092B-C50C-407E-A947-70E740481C1C}">
+                <a14:useLocalDpi xmlns:a14="http://schemas.microsoft.com/office/drawing/2010/main" val="0"/>
+              </a:ext>
+            </a:extLst>
+          </a:blip>
+          <a:stretch>
+            <a:fillRect/>
+          </a:stretch>
+        </p:blipFill>
+        <p:spPr>
+          <a:xfrm>
+            <a:off x="5149313" y="3879174"/>
+            <a:ext cx="2925910" cy="2678711"/>
+          </a:xfrm>
+          <a:prstGeom prst="rect">
+            <a:avLst/>
+          </a:prstGeom>
+        </p:spPr>
+      </p:pic>
     </p:spTree>
     <p:extLst>
       <p:ext uri="{BB962C8B-B14F-4D97-AF65-F5344CB8AC3E}">
-        <p14:creationId xmlns:p14="http://schemas.microsoft.com/office/powerpoint/2010/main" val="1841383628"/>
+        <p14:creationId xmlns:p14="http://schemas.microsoft.com/office/powerpoint/2010/main" val="3291805756"/>
       </p:ext>
     </p:extLst>
   </p:cSld>
   <p:clrMapOvr>
     <a:masterClrMapping/>
   </p:clrMapOvr>
-  <p:timing>
-    <p:tnLst>
-      <p:par>
-        <p:cTn xmlns:p14="http://schemas.microsoft.com/office/powerpoint/2010/main" id="1" dur="indefinite" restart="never" nodeType="tmRoot"/>
-      </p:par>
-    </p:tnLst>
-  </p:timing>
 </p:sld>
 </file>
 
@@ -7519,7 +7785,7 @@
           <a:p>
             <a:r>
               <a:rPr kumimoji="1" lang="en-US" altLang="zh-CN" dirty="0" smtClean="0"/>
-              <a:t>Milestones So Far</a:t>
+              <a:t>Data Sources &amp; Repository</a:t>
             </a:r>
             <a:endParaRPr kumimoji="1" lang="zh-CN" altLang="en-US" dirty="0"/>
           </a:p>
@@ -7535,285 +7801,111 @@
             <p:ph idx="1"/>
           </p:nvPr>
         </p:nvSpPr>
-        <p:spPr>
-          <a:xfrm>
-            <a:off x="779463" y="1949824"/>
-            <a:ext cx="7583488" cy="3754841"/>
-          </a:xfrm>
-        </p:spPr>
-        <p:txBody>
-          <a:bodyPr>
-            <a:normAutofit fontScale="92500" lnSpcReduction="10000"/>
-          </a:bodyPr>
+        <p:spPr/>
+        <p:txBody>
+          <a:bodyPr/>
           <a:lstStyle/>
           <a:p>
             <a:r>
               <a:rPr kumimoji="1" lang="en-US" altLang="zh-CN" dirty="0" smtClean="0"/>
-              <a:t>Data</a:t>
-            </a:r>
-            <a:r>
-              <a:rPr kumimoji="1" lang="zh-CN" altLang="en-US" dirty="0" smtClean="0"/>
-              <a:t> </a:t>
+              <a:t>Deep-sea </a:t>
+            </a:r>
+            <a:r>
+              <a:rPr kumimoji="1" lang="en-US" altLang="zh-CN" dirty="0"/>
+              <a:t>corals data</a:t>
             </a:r>
             <a:r>
               <a:rPr kumimoji="1" lang="en-US" altLang="zh-CN" dirty="0" smtClean="0"/>
-              <a:t>Processing:</a:t>
-            </a:r>
-            <a:r>
-              <a:rPr kumimoji="1" lang="zh-CN" altLang="en-US" dirty="0" smtClean="0"/>
-              <a:t> </a:t>
-            </a:r>
+              <a:t>: </a:t>
+            </a:r>
+            <a:r>
+              <a:rPr kumimoji="1" lang="en-US" altLang="zh-CN" dirty="0" smtClean="0">
+                <a:hlinkClick r:id="rId2"/>
+              </a:rPr>
+              <a:t>https</a:t>
+            </a:r>
+            <a:r>
+              <a:rPr kumimoji="1" lang="en-US" altLang="zh-CN" dirty="0">
+                <a:hlinkClick r:id="rId2"/>
+              </a:rPr>
+              <a:t>://deepseacoraldata.noaa.gov/website/AGSViewers/DeepSeaCorals/</a:t>
+            </a:r>
+            <a:r>
+              <a:rPr kumimoji="1" lang="en-US" altLang="zh-CN" dirty="0" smtClean="0">
+                <a:hlinkClick r:id="rId2"/>
+              </a:rPr>
+              <a:t>mapSites.htm</a:t>
+            </a:r>
+            <a:endParaRPr kumimoji="1" lang="en-US" altLang="zh-CN" dirty="0" smtClean="0"/>
+          </a:p>
+          <a:p>
             <a:r>
               <a:rPr kumimoji="1" lang="en-US" altLang="zh-CN" dirty="0" smtClean="0"/>
-              <a:t>Process row data and concatenate two data files using location information(latitude, longitude and depth). </a:t>
-            </a:r>
-            <a:r>
-              <a:rPr kumimoji="1" lang="en-US" altLang="zh-CN" sz="1600" dirty="0" smtClean="0">
-                <a:latin typeface="Avenir Oblique"/>
-                <a:cs typeface="Avenir Oblique"/>
+              <a:t>Ocean </a:t>
+            </a:r>
+            <a:r>
+              <a:rPr kumimoji="1" lang="en-US" altLang="zh-CN" dirty="0"/>
+              <a:t>environment database</a:t>
+            </a:r>
+            <a:r>
+              <a:rPr kumimoji="1" lang="en-US" altLang="zh-CN" dirty="0" smtClean="0"/>
+              <a:t>: </a:t>
+            </a:r>
+            <a:r>
+              <a:rPr kumimoji="1" lang="en-US" altLang="zh-CN" dirty="0" smtClean="0">
+                <a:hlinkClick r:id="rId3"/>
               </a:rPr>
-              <a:t>Relative </a:t>
-            </a:r>
-            <a:r>
-              <a:rPr kumimoji="1" lang="en-US" altLang="zh-CN" sz="1600" dirty="0" err="1" smtClean="0">
-                <a:latin typeface="Avenir Oblique"/>
-                <a:cs typeface="Avenir Oblique"/>
+              <a:t>https</a:t>
+            </a:r>
+            <a:r>
+              <a:rPr kumimoji="1" lang="en-US" altLang="zh-CN" dirty="0">
+                <a:hlinkClick r:id="rId3"/>
               </a:rPr>
-              <a:t>algos</a:t>
-            </a:r>
-            <a:r>
-              <a:rPr kumimoji="1" lang="en-US" altLang="zh-CN" sz="1600" dirty="0" smtClean="0">
-                <a:latin typeface="Avenir Oblique"/>
-                <a:cs typeface="Avenir Oblique"/>
+              <a:t>://www.nodc.noaa.gov/OC5/SELECT/dbsearch/</a:t>
+            </a:r>
+            <a:r>
+              <a:rPr kumimoji="1" lang="en-US" altLang="zh-CN" dirty="0" smtClean="0">
+                <a:hlinkClick r:id="rId3"/>
               </a:rPr>
+              <a:t>dbsearch.html</a:t>
+            </a:r>
+            <a:endParaRPr kumimoji="1" lang="en-US" altLang="zh-CN" dirty="0" smtClean="0"/>
+          </a:p>
+          <a:p>
+            <a:r>
+              <a:rPr kumimoji="1" lang="en-US" altLang="zh-CN" dirty="0" err="1" smtClean="0"/>
+              <a:t>Github</a:t>
+            </a:r>
+            <a:r>
+              <a:rPr kumimoji="1" lang="en-US" altLang="zh-CN" dirty="0"/>
               <a:t>: </a:t>
             </a:r>
             <a:r>
-              <a:rPr kumimoji="1" lang="en-US" altLang="zh-CN" sz="1600" dirty="0" err="1" smtClean="0">
-                <a:latin typeface="Avenir Oblique"/>
-                <a:cs typeface="Avenir Oblique"/>
+              <a:rPr kumimoji="1" lang="en-US" altLang="zh-CN" dirty="0">
+                <a:hlinkClick r:id="rId4"/>
               </a:rPr>
-              <a:t>RandomForestRegressor</a:t>
-            </a:r>
-            <a:r>
-              <a:rPr kumimoji="1" lang="en-US" altLang="zh-CN" sz="1600" dirty="0" smtClean="0">
-                <a:latin typeface="Avenir Oblique"/>
-                <a:cs typeface="Avenir Oblique"/>
+              <a:t>https://github.com/HouHouHouHouHouHou/</a:t>
+            </a:r>
+            <a:r>
+              <a:rPr kumimoji="1" lang="en-US" altLang="zh-CN" dirty="0" smtClean="0">
+                <a:hlinkClick r:id="rId4"/>
               </a:rPr>
-              <a:t>, K-means, </a:t>
-            </a:r>
-            <a:r>
-              <a:rPr kumimoji="1" lang="en-US" altLang="zh-CN" sz="1600" dirty="0">
-                <a:latin typeface="Avenir Oblique"/>
-                <a:cs typeface="Avenir Oblique"/>
-              </a:rPr>
-              <a:t>Hierarchical clustering, </a:t>
-            </a:r>
-            <a:r>
-              <a:rPr kumimoji="1" lang="en-US" altLang="zh-CN" sz="1600" dirty="0" err="1">
-                <a:latin typeface="Avenir Oblique"/>
-                <a:cs typeface="Avenir Oblique"/>
-              </a:rPr>
-              <a:t>IsolationForest</a:t>
-            </a:r>
-            <a:r>
-              <a:rPr kumimoji="1" lang="en-US" altLang="zh-CN" sz="1600" dirty="0">
-                <a:latin typeface="Avenir Oblique"/>
-                <a:cs typeface="Avenir Oblique"/>
-              </a:rPr>
-              <a:t>, </a:t>
-            </a:r>
-            <a:r>
-              <a:rPr kumimoji="1" lang="en-US" altLang="zh-CN" sz="1600" dirty="0" err="1" smtClean="0">
-                <a:latin typeface="Avenir Oblique"/>
-                <a:cs typeface="Avenir Oblique"/>
-              </a:rPr>
-              <a:t>LocalOutlierFactor</a:t>
-            </a:r>
-            <a:endParaRPr kumimoji="1" lang="en-US" altLang="zh-CN" sz="1600" dirty="0" smtClean="0">
-              <a:latin typeface="Avenir Oblique"/>
-              <a:cs typeface="Avenir Oblique"/>
-            </a:endParaRPr>
-          </a:p>
-          <a:p>
-            <a:r>
-              <a:rPr kumimoji="1" lang="en-US" altLang="zh-CN" dirty="0" smtClean="0"/>
-              <a:t>Preliminary Model:  </a:t>
-            </a:r>
-          </a:p>
-          <a:p>
-            <a:pPr>
-              <a:buFont typeface="Symbol" charset="0"/>
-              <a:buChar char=""/>
+              <a:t>7390</a:t>
+            </a:r>
+            <a:endParaRPr kumimoji="1" lang="en-US" altLang="zh-CN" dirty="0" smtClean="0"/>
+          </a:p>
+          <a:p>
+            <a:pPr marL="0" indent="0">
+              <a:buNone/>
             </a:pPr>
-            <a:r>
-              <a:rPr kumimoji="1" lang="en-US" altLang="zh-CN" sz="1600" dirty="0" smtClean="0">
-                <a:latin typeface="Avenir Oblique"/>
-                <a:cs typeface="Avenir Oblique"/>
-              </a:rPr>
-              <a:t>Multiclass SVM: Pro- straightforward, fast, always find global minimum; Con- hard to play with kernel trick</a:t>
-            </a:r>
-          </a:p>
-          <a:p>
-            <a:pPr>
-              <a:buFont typeface="Symbol" charset="0"/>
-              <a:buChar char=""/>
-            </a:pPr>
-            <a:r>
-              <a:rPr kumimoji="1" lang="en-US" altLang="zh-CN" sz="1600" dirty="0" err="1" smtClean="0">
-                <a:latin typeface="Avenir Oblique"/>
-                <a:cs typeface="Avenir Oblique"/>
-              </a:rPr>
-              <a:t>Softmax</a:t>
-            </a:r>
-            <a:r>
-              <a:rPr kumimoji="1" lang="en-US" altLang="zh-CN" sz="1600" dirty="0" smtClean="0">
-                <a:latin typeface="Avenir Oblique"/>
-                <a:cs typeface="Avenir Oblique"/>
-              </a:rPr>
-              <a:t> </a:t>
-            </a:r>
-            <a:r>
-              <a:rPr kumimoji="1" lang="en-US" altLang="zh-CN" sz="1600" dirty="0">
-                <a:latin typeface="Avenir Oblique"/>
-                <a:cs typeface="Avenir Oblique"/>
-              </a:rPr>
-              <a:t>Classifier</a:t>
-            </a:r>
-            <a:r>
-              <a:rPr kumimoji="1" lang="en-US" altLang="zh-CN" sz="1600" dirty="0" smtClean="0">
-                <a:latin typeface="Avenir Oblique"/>
-                <a:cs typeface="Avenir Oblique"/>
-              </a:rPr>
-              <a:t>: Pro- probability on all classes; Con- might be bogged if dataset is too complex</a:t>
-            </a:r>
-            <a:endParaRPr kumimoji="1" lang="en-US" altLang="zh-CN" sz="1600" dirty="0">
-              <a:latin typeface="Avenir Oblique"/>
-              <a:cs typeface="Avenir Oblique"/>
-            </a:endParaRPr>
-          </a:p>
-          <a:p>
-            <a:pPr>
-              <a:buFont typeface="Symbol" charset="0"/>
-              <a:buChar char=""/>
-            </a:pPr>
-            <a:r>
-              <a:rPr kumimoji="1" lang="en-US" altLang="zh-CN" sz="1600" dirty="0">
-                <a:latin typeface="Avenir Oblique"/>
-                <a:cs typeface="Avenir Oblique"/>
-              </a:rPr>
-              <a:t>Neural </a:t>
-            </a:r>
-            <a:r>
-              <a:rPr kumimoji="1" lang="en-US" altLang="zh-CN" sz="1600" dirty="0" smtClean="0">
-                <a:latin typeface="Avenir Oblique"/>
-                <a:cs typeface="Avenir Oblique"/>
-              </a:rPr>
-              <a:t>Network: Pro- control dimensionality of features; Con- </a:t>
-            </a:r>
-            <a:r>
-              <a:rPr kumimoji="1" lang="en-US" altLang="zh-CN" sz="1600" dirty="0">
-                <a:latin typeface="Avenir Oblique"/>
-                <a:cs typeface="Avenir Oblique"/>
-              </a:rPr>
-              <a:t>suffer from the existence of multiple local minima </a:t>
-            </a:r>
-            <a:r>
-              <a:rPr kumimoji="1" lang="en-US" altLang="zh-CN" sz="1600" dirty="0" smtClean="0">
-                <a:latin typeface="Avenir Oblique"/>
-                <a:cs typeface="Avenir Oblique"/>
-              </a:rPr>
-              <a:t>solutions, hard to tune</a:t>
-            </a:r>
-            <a:endParaRPr kumimoji="1" lang="en-US" altLang="zh-CN" sz="1600" dirty="0">
-              <a:latin typeface="Avenir Oblique"/>
-              <a:cs typeface="Avenir Oblique"/>
-            </a:endParaRPr>
-          </a:p>
-          <a:p>
-            <a:pPr marL="0" indent="0">
-              <a:buNone/>
-            </a:pPr>
-            <a:endParaRPr kumimoji="1" lang="en-US" altLang="zh-CN" dirty="0" smtClean="0"/>
-          </a:p>
-          <a:p>
-            <a:pPr marL="0" indent="0">
-              <a:buNone/>
-            </a:pPr>
-            <a:endParaRPr kumimoji="1" lang="en-US" altLang="zh-CN" dirty="0" smtClean="0"/>
-          </a:p>
-          <a:p>
-            <a:pPr marL="0" indent="0">
-              <a:buNone/>
-            </a:pPr>
-            <a:endParaRPr kumimoji="1" lang="zh-CN" altLang="en-US" dirty="0"/>
-          </a:p>
-        </p:txBody>
-      </p:sp>
-      <p:pic>
-        <p:nvPicPr>
-          <p:cNvPr id="7" name="图片 6" descr="123.jpeg"/>
-          <p:cNvPicPr>
-            <a:picLocks noChangeAspect="1"/>
-          </p:cNvPicPr>
-          <p:nvPr/>
-        </p:nvPicPr>
-        <p:blipFill>
-          <a:blip r:embed="rId2">
-            <a:extLst>
-              <a:ext uri="{28A0092B-C50C-407E-A947-70E740481C1C}">
-                <a14:useLocalDpi xmlns:a14="http://schemas.microsoft.com/office/drawing/2010/main" val="0"/>
-              </a:ext>
-            </a:extLst>
-          </a:blip>
-          <a:stretch>
-            <a:fillRect/>
-          </a:stretch>
-        </p:blipFill>
-        <p:spPr>
-          <a:xfrm>
-            <a:off x="779463" y="5575690"/>
-            <a:ext cx="3055855" cy="1021880"/>
-          </a:xfrm>
-          <a:prstGeom prst="rect">
-            <a:avLst/>
-          </a:prstGeom>
-        </p:spPr>
-      </p:pic>
-      <p:pic>
-        <p:nvPicPr>
-          <p:cNvPr id="8" name="图片 7" descr="345.jpeg"/>
-          <p:cNvPicPr>
-            <a:picLocks noChangeAspect="1"/>
-          </p:cNvPicPr>
-          <p:nvPr/>
-        </p:nvPicPr>
-        <p:blipFill>
-          <a:blip r:embed="rId3">
-            <a:extLst>
-              <a:ext uri="{28A0092B-C50C-407E-A947-70E740481C1C}">
-                <a14:useLocalDpi xmlns:a14="http://schemas.microsoft.com/office/drawing/2010/main" val="0"/>
-              </a:ext>
-            </a:extLst>
-          </a:blip>
-          <a:stretch>
-            <a:fillRect/>
-          </a:stretch>
-        </p:blipFill>
-        <p:spPr>
-          <a:xfrm>
-            <a:off x="4254501" y="5704665"/>
-            <a:ext cx="3156940" cy="892906"/>
-          </a:xfrm>
-          <a:prstGeom prst="rect">
-            <a:avLst/>
-          </a:prstGeom>
-        </p:spPr>
-      </p:pic>
+            <a:endParaRPr kumimoji="1" lang="en-US" altLang="zh-CN" dirty="0"/>
+          </a:p>
+        </p:txBody>
+      </p:sp>
     </p:spTree>
     <p:extLst>
       <p:ext uri="{BB962C8B-B14F-4D97-AF65-F5344CB8AC3E}">
-        <p14:creationId xmlns:p14="http://schemas.microsoft.com/office/powerpoint/2010/main" val="4023034447"/>
+        <p14:creationId xmlns:p14="http://schemas.microsoft.com/office/powerpoint/2010/main" val="1841383628"/>
       </p:ext>
     </p:extLst>
   </p:cSld>

--- a/DeepSeaCoral.pptx
+++ b/DeepSeaCoral.pptx
@@ -490,7 +490,7 @@
           <a:p>
             <a:fld id="{B1115196-1C6F-4784-83AC-30756D8F10B3}" type="datetimeFigureOut">
               <a:rPr lang="en-US" smtClean="0"/>
-              <a:t>18/3/22</a:t>
+              <a:t>18/3/26</a:t>
             </a:fld>
             <a:endParaRPr lang="en-US"/>
           </a:p>
@@ -919,7 +919,7 @@
           <a:p>
             <a:fld id="{B1115196-1C6F-4784-83AC-30756D8F10B3}" type="datetimeFigureOut">
               <a:rPr lang="en-US" smtClean="0"/>
-              <a:t>18/3/22</a:t>
+              <a:t>18/3/26</a:t>
             </a:fld>
             <a:endParaRPr lang="en-US"/>
           </a:p>
@@ -1124,7 +1124,7 @@
           <a:p>
             <a:fld id="{B1115196-1C6F-4784-83AC-30756D8F10B3}" type="datetimeFigureOut">
               <a:rPr lang="en-US" smtClean="0"/>
-              <a:t>18/3/22</a:t>
+              <a:t>18/3/26</a:t>
             </a:fld>
             <a:endParaRPr lang="en-US"/>
           </a:p>
@@ -1395,7 +1395,7 @@
           <a:p>
             <a:fld id="{B1115196-1C6F-4784-83AC-30756D8F10B3}" type="datetimeFigureOut">
               <a:rPr lang="en-US" smtClean="0"/>
-              <a:t>18/3/22</a:t>
+              <a:t>18/3/26</a:t>
             </a:fld>
             <a:endParaRPr lang="en-US"/>
           </a:p>
@@ -1676,7 +1676,7 @@
           <a:p>
             <a:fld id="{B1115196-1C6F-4784-83AC-30756D8F10B3}" type="datetimeFigureOut">
               <a:rPr lang="en-US" smtClean="0"/>
-              <a:t>18/3/22</a:t>
+              <a:t>18/3/26</a:t>
             </a:fld>
             <a:endParaRPr lang="en-US"/>
           </a:p>
@@ -1911,7 +1911,7 @@
           <a:p>
             <a:fld id="{B1115196-1C6F-4784-83AC-30756D8F10B3}" type="datetimeFigureOut">
               <a:rPr lang="en-US" smtClean="0"/>
-              <a:t>18/3/22</a:t>
+              <a:t>18/3/26</a:t>
             </a:fld>
             <a:endParaRPr lang="en-US"/>
           </a:p>
@@ -2192,7 +2192,7 @@
           <a:p>
             <a:fld id="{B1115196-1C6F-4784-83AC-30756D8F10B3}" type="datetimeFigureOut">
               <a:rPr lang="en-US" smtClean="0"/>
-              <a:t>18/3/22</a:t>
+              <a:t>18/3/26</a:t>
             </a:fld>
             <a:endParaRPr lang="en-US"/>
           </a:p>
@@ -2619,7 +2619,7 @@
           <a:p>
             <a:fld id="{B1115196-1C6F-4784-83AC-30756D8F10B3}" type="datetimeFigureOut">
               <a:rPr lang="en-US" smtClean="0"/>
-              <a:t>18/3/22</a:t>
+              <a:t>18/3/26</a:t>
             </a:fld>
             <a:endParaRPr lang="en-US"/>
           </a:p>
@@ -3142,7 +3142,7 @@
           <a:p>
             <a:fld id="{B1115196-1C6F-4784-83AC-30756D8F10B3}" type="datetimeFigureOut">
               <a:rPr lang="en-US" smtClean="0"/>
-              <a:t>18/3/22</a:t>
+              <a:t>18/3/26</a:t>
             </a:fld>
             <a:endParaRPr lang="en-US"/>
           </a:p>
@@ -3504,7 +3504,7 @@
           <a:p>
             <a:fld id="{B1115196-1C6F-4784-83AC-30756D8F10B3}" type="datetimeFigureOut">
               <a:rPr lang="en-US" smtClean="0"/>
-              <a:t>18/3/22</a:t>
+              <a:t>18/3/26</a:t>
             </a:fld>
             <a:endParaRPr lang="en-US"/>
           </a:p>
@@ -4060,7 +4060,7 @@
           <a:p>
             <a:fld id="{B1115196-1C6F-4784-83AC-30756D8F10B3}" type="datetimeFigureOut">
               <a:rPr lang="en-US" smtClean="0"/>
-              <a:t>18/3/22</a:t>
+              <a:t>18/3/26</a:t>
             </a:fld>
             <a:endParaRPr lang="en-US"/>
           </a:p>
@@ -4285,7 +4285,7 @@
           <a:p>
             <a:fld id="{B1115196-1C6F-4784-83AC-30756D8F10B3}" type="datetimeFigureOut">
               <a:rPr lang="en-US" smtClean="0"/>
-              <a:t>18/3/22</a:t>
+              <a:t>18/3/26</a:t>
             </a:fld>
             <a:endParaRPr lang="en-US"/>
           </a:p>
@@ -4431,7 +4431,7 @@
           <a:p>
             <a:fld id="{B1115196-1C6F-4784-83AC-30756D8F10B3}" type="datetimeFigureOut">
               <a:rPr lang="en-US" smtClean="0"/>
-              <a:t>18/3/22</a:t>
+              <a:t>18/3/26</a:t>
             </a:fld>
             <a:endParaRPr lang="en-US"/>
           </a:p>
@@ -4896,7 +4896,7 @@
           <a:p>
             <a:fld id="{B1115196-1C6F-4784-83AC-30756D8F10B3}" type="datetimeFigureOut">
               <a:rPr lang="en-US" smtClean="0"/>
-              <a:t>18/3/22</a:t>
+              <a:t>18/3/26</a:t>
             </a:fld>
             <a:endParaRPr lang="en-US"/>
           </a:p>
@@ -5118,7 +5118,7 @@
           <a:p>
             <a:fld id="{B1115196-1C6F-4784-83AC-30756D8F10B3}" type="datetimeFigureOut">
               <a:rPr lang="en-US" smtClean="0"/>
-              <a:t>18/3/22</a:t>
+              <a:t>18/3/26</a:t>
             </a:fld>
             <a:endParaRPr lang="en-US"/>
           </a:p>
@@ -6071,12 +6071,18 @@
           <a:p>
             <a:r>
               <a:rPr kumimoji="1" lang="en-US" altLang="zh-CN" dirty="0" smtClean="0"/>
-              <a:t>Accuracy reaches 80</a:t>
+              <a:t>Accuracy reaches </a:t>
+            </a:r>
+            <a:r>
+              <a:rPr kumimoji="1" lang="en-US" altLang="zh-CN" dirty="0" smtClean="0"/>
+              <a:t>50</a:t>
             </a:r>
             <a:r>
               <a:rPr kumimoji="1" lang="en-US" altLang="zh-CN" dirty="0" smtClean="0"/>
               <a:t>%</a:t>
             </a:r>
+          </a:p>
+          <a:p>
             <a:endParaRPr kumimoji="1" lang="en-US" altLang="zh-CN" dirty="0" smtClean="0"/>
           </a:p>
           <a:p>
@@ -6088,7 +6094,21 @@
           <a:p>
             <a:r>
               <a:rPr kumimoji="1" lang="en-US" altLang="zh-CN" dirty="0" smtClean="0"/>
-              <a:t>F1 score reaches 0.7</a:t>
+              <a:t>F1 score reaches </a:t>
+            </a:r>
+            <a:r>
+              <a:rPr kumimoji="1" lang="en-US" altLang="zh-CN" dirty="0" smtClean="0"/>
+              <a:t>0.7</a:t>
+            </a:r>
+          </a:p>
+          <a:p>
+            <a:r>
+              <a:rPr kumimoji="1" lang="en-US" altLang="zh-CN" dirty="0" smtClean="0"/>
+              <a:t>Draw a suitability </a:t>
+            </a:r>
+            <a:r>
+              <a:rPr kumimoji="1" lang="en-US" altLang="zh-CN" dirty="0" smtClean="0"/>
+              <a:t>map</a:t>
             </a:r>
             <a:endParaRPr kumimoji="1" lang="zh-CN" altLang="en-US" dirty="0"/>
           </a:p>
@@ -6116,8 +6136,8 @@
         </p:blipFill>
         <p:spPr>
           <a:xfrm>
-            <a:off x="3710226" y="3885665"/>
-            <a:ext cx="3750822" cy="2487145"/>
+            <a:off x="3839661" y="4444678"/>
+            <a:ext cx="3621387" cy="1763827"/>
           </a:xfrm>
           <a:prstGeom prst="rect">
             <a:avLst/>
@@ -6126,7 +6146,7 @@
       </p:pic>
       <p:pic>
         <p:nvPicPr>
-          <p:cNvPr id="5" name="图片 4" descr="Untitled.jpeg"/>
+          <p:cNvPr id="6" name="图片 5" descr="Untitled.jpeg"/>
           <p:cNvPicPr>
             <a:picLocks noChangeAspect="1"/>
           </p:cNvPicPr>
@@ -6146,8 +6166,38 @@
         </p:blipFill>
         <p:spPr>
           <a:xfrm>
-            <a:off x="1359261" y="2599978"/>
-            <a:ext cx="6101788" cy="1041087"/>
+            <a:off x="779463" y="3492246"/>
+            <a:ext cx="6681586" cy="952431"/>
+          </a:xfrm>
+          <a:prstGeom prst="rect">
+            <a:avLst/>
+          </a:prstGeom>
+        </p:spPr>
+      </p:pic>
+      <p:pic>
+        <p:nvPicPr>
+          <p:cNvPr id="8" name="图片 7" descr="1231231241.jpeg"/>
+          <p:cNvPicPr>
+            <a:picLocks noChangeAspect="1"/>
+          </p:cNvPicPr>
+          <p:nvPr/>
+        </p:nvPicPr>
+        <p:blipFill>
+          <a:blip r:embed="rId4">
+            <a:extLst>
+              <a:ext uri="{28A0092B-C50C-407E-A947-70E740481C1C}">
+                <a14:useLocalDpi xmlns:a14="http://schemas.microsoft.com/office/drawing/2010/main" val="0"/>
+              </a:ext>
+            </a:extLst>
+          </a:blip>
+          <a:stretch>
+            <a:fillRect/>
+          </a:stretch>
+        </p:blipFill>
+        <p:spPr>
+          <a:xfrm>
+            <a:off x="779463" y="2351314"/>
+            <a:ext cx="6681586" cy="1140932"/>
           </a:xfrm>
           <a:prstGeom prst="rect">
             <a:avLst/>
@@ -7282,11 +7332,7 @@
           <a:p>
             <a:r>
               <a:rPr kumimoji="1" lang="en-US" altLang="zh-CN" dirty="0" smtClean="0"/>
-              <a:t>Database </a:t>
-            </a:r>
-            <a:r>
-              <a:rPr kumimoji="1" lang="en-US" altLang="zh-CN" dirty="0" smtClean="0"/>
-              <a:t>Description</a:t>
+              <a:t>Database Description</a:t>
             </a:r>
             <a:endParaRPr kumimoji="1" lang="zh-CN" altLang="en-US" dirty="0"/>
           </a:p>
